--- a/Groovy Challenges.pptx
+++ b/Groovy Challenges.pptx
@@ -405,6 +405,7 @@
           <a:p>
             <a:fld id="{77BC486D-99C0-45CF-8946-348985BF76AE}" type="datetimeFigureOut">
               <a:rPr lang="en-US" smtClean="0"/>
+              <a:pPr/>
               <a:t>11/7/2012</a:t>
             </a:fld>
             <a:endParaRPr lang="en-US"/>
@@ -473,6 +474,7 @@
           <a:p>
             <a:fld id="{43F55D97-66E9-4A22-9954-4C8157964D6A}" type="slidenum">
               <a:rPr lang="en-US" smtClean="0"/>
+              <a:pPr/>
               <a:t>‹#›</a:t>
             </a:fld>
             <a:endParaRPr lang="en-US"/>
@@ -596,6 +598,7 @@
           <a:p>
             <a:fld id="{77BC486D-99C0-45CF-8946-348985BF76AE}" type="datetimeFigureOut">
               <a:rPr lang="en-US" smtClean="0"/>
+              <a:pPr/>
               <a:t>11/7/2012</a:t>
             </a:fld>
             <a:endParaRPr lang="en-US"/>
@@ -638,6 +641,7 @@
           <a:p>
             <a:fld id="{43F55D97-66E9-4A22-9954-4C8157964D6A}" type="slidenum">
               <a:rPr lang="en-US" smtClean="0"/>
+              <a:pPr/>
               <a:t>‹#›</a:t>
             </a:fld>
             <a:endParaRPr lang="en-US"/>
@@ -781,6 +785,7 @@
           <a:p>
             <a:fld id="{77BC486D-99C0-45CF-8946-348985BF76AE}" type="datetimeFigureOut">
               <a:rPr lang="en-US" smtClean="0"/>
+              <a:pPr/>
               <a:t>11/7/2012</a:t>
             </a:fld>
             <a:endParaRPr lang="en-US"/>
@@ -968,6 +973,7 @@
           <a:p>
             <a:fld id="{43F55D97-66E9-4A22-9954-4C8157964D6A}" type="slidenum">
               <a:rPr lang="en-US" smtClean="0"/>
+              <a:pPr/>
               <a:t>‹#›</a:t>
             </a:fld>
             <a:endParaRPr lang="en-US"/>
@@ -1044,6 +1050,7 @@
           <a:p>
             <a:fld id="{77BC486D-99C0-45CF-8946-348985BF76AE}" type="datetimeFigureOut">
               <a:rPr lang="en-US" smtClean="0"/>
+              <a:pPr/>
               <a:t>11/7/2012</a:t>
             </a:fld>
             <a:endParaRPr lang="en-US"/>
@@ -1094,6 +1101,7 @@
           <a:p>
             <a:fld id="{43F55D97-66E9-4A22-9954-4C8157964D6A}" type="slidenum">
               <a:rPr lang="en-US" smtClean="0"/>
+              <a:pPr/>
               <a:t>‹#›</a:t>
             </a:fld>
             <a:endParaRPr lang="en-US"/>
@@ -1460,6 +1468,7 @@
           <a:p>
             <a:fld id="{77BC486D-99C0-45CF-8946-348985BF76AE}" type="datetimeFigureOut">
               <a:rPr lang="en-US" smtClean="0"/>
+              <a:pPr/>
               <a:t>11/7/2012</a:t>
             </a:fld>
             <a:endParaRPr lang="en-US"/>
@@ -1498,6 +1507,7 @@
           <a:p>
             <a:fld id="{43F55D97-66E9-4A22-9954-4C8157964D6A}" type="slidenum">
               <a:rPr lang="en-US" smtClean="0"/>
+              <a:pPr/>
               <a:t>‹#›</a:t>
             </a:fld>
             <a:endParaRPr lang="en-US"/>
@@ -1702,6 +1712,7 @@
           <a:p>
             <a:fld id="{77BC486D-99C0-45CF-8946-348985BF76AE}" type="datetimeFigureOut">
               <a:rPr lang="en-US" smtClean="0"/>
+              <a:pPr/>
               <a:t>11/7/2012</a:t>
             </a:fld>
             <a:endParaRPr lang="en-US"/>
@@ -1725,6 +1736,7 @@
           <a:p>
             <a:fld id="{43F55D97-66E9-4A22-9954-4C8157964D6A}" type="slidenum">
               <a:rPr lang="en-US" smtClean="0"/>
+              <a:pPr/>
               <a:t>‹#›</a:t>
             </a:fld>
             <a:endParaRPr lang="en-US"/>
@@ -1938,6 +1950,7 @@
           <a:p>
             <a:fld id="{77BC486D-99C0-45CF-8946-348985BF76AE}" type="datetimeFigureOut">
               <a:rPr lang="en-US" smtClean="0"/>
+              <a:pPr/>
               <a:t>11/7/2012</a:t>
             </a:fld>
             <a:endParaRPr lang="en-US"/>
@@ -1961,6 +1974,7 @@
           <a:p>
             <a:fld id="{43F55D97-66E9-4A22-9954-4C8157964D6A}" type="slidenum">
               <a:rPr lang="en-US" smtClean="0"/>
+              <a:pPr/>
               <a:t>‹#›</a:t>
             </a:fld>
             <a:endParaRPr lang="en-US"/>
@@ -2133,6 +2147,7 @@
           <a:p>
             <a:fld id="{77BC486D-99C0-45CF-8946-348985BF76AE}" type="datetimeFigureOut">
               <a:rPr lang="en-US" smtClean="0"/>
+              <a:pPr/>
               <a:t>11/7/2012</a:t>
             </a:fld>
             <a:endParaRPr lang="en-US"/>
@@ -2183,6 +2198,7 @@
           <a:p>
             <a:fld id="{43F55D97-66E9-4A22-9954-4C8157964D6A}" type="slidenum">
               <a:rPr lang="en-US" smtClean="0"/>
+              <a:pPr/>
               <a:t>‹#›</a:t>
             </a:fld>
             <a:endParaRPr lang="en-US"/>
@@ -2231,6 +2247,7 @@
           <a:p>
             <a:fld id="{77BC486D-99C0-45CF-8946-348985BF76AE}" type="datetimeFigureOut">
               <a:rPr lang="en-US" smtClean="0"/>
+              <a:pPr/>
               <a:t>11/7/2012</a:t>
             </a:fld>
             <a:endParaRPr lang="en-US"/>
@@ -2286,6 +2303,7 @@
           <a:p>
             <a:fld id="{43F55D97-66E9-4A22-9954-4C8157964D6A}" type="slidenum">
               <a:rPr lang="en-US" smtClean="0"/>
+              <a:pPr/>
               <a:t>‹#›</a:t>
             </a:fld>
             <a:endParaRPr lang="en-US"/>
@@ -2367,6 +2385,7 @@
           <a:p>
             <a:fld id="{77BC486D-99C0-45CF-8946-348985BF76AE}" type="datetimeFigureOut">
               <a:rPr lang="en-US" smtClean="0"/>
+              <a:pPr/>
               <a:t>11/7/2012</a:t>
             </a:fld>
             <a:endParaRPr lang="en-US"/>
@@ -2417,6 +2436,7 @@
           <a:p>
             <a:fld id="{43F55D97-66E9-4A22-9954-4C8157964D6A}" type="slidenum">
               <a:rPr lang="en-US" smtClean="0"/>
+              <a:pPr/>
               <a:t>‹#›</a:t>
             </a:fld>
             <a:endParaRPr lang="en-US"/>
@@ -2885,6 +2905,7 @@
           <a:p>
             <a:fld id="{77BC486D-99C0-45CF-8946-348985BF76AE}" type="datetimeFigureOut">
               <a:rPr lang="en-US" smtClean="0"/>
+              <a:pPr/>
               <a:t>11/7/2012</a:t>
             </a:fld>
             <a:endParaRPr lang="en-US"/>
@@ -2917,6 +2938,7 @@
           <a:p>
             <a:fld id="{43F55D97-66E9-4A22-9954-4C8157964D6A}" type="slidenum">
               <a:rPr lang="en-US" smtClean="0"/>
+              <a:pPr/>
               <a:t>‹#›</a:t>
             </a:fld>
             <a:endParaRPr lang="en-US"/>
@@ -3146,6 +3168,7 @@
           <a:p>
             <a:fld id="{77BC486D-99C0-45CF-8946-348985BF76AE}" type="datetimeFigureOut">
               <a:rPr lang="en-US" smtClean="0"/>
+              <a:pPr/>
               <a:t>11/7/2012</a:t>
             </a:fld>
             <a:endParaRPr lang="en-US"/>
@@ -3364,6 +3387,7 @@
           <a:p>
             <a:fld id="{43F55D97-66E9-4A22-9954-4C8157964D6A}" type="slidenum">
               <a:rPr lang="en-US" smtClean="0"/>
+              <a:pPr/>
               <a:t>‹#›</a:t>
             </a:fld>
             <a:endParaRPr lang="en-US"/>
@@ -3697,12 +3721,25 @@
         </p:nvSpPr>
         <p:spPr/>
         <p:txBody>
-          <a:bodyPr/>
+          <a:bodyPr>
+            <a:normAutofit/>
+          </a:bodyPr>
           <a:lstStyle/>
           <a:p>
             <a:r>
               <a:rPr lang="en-US" dirty="0" smtClean="0"/>
-              <a:t>Groovy Challenges</a:t>
+              <a:t>Groovy </a:t>
+            </a:r>
+            <a:r>
+              <a:rPr lang="en-US" dirty="0" smtClean="0"/>
+              <a:t>Challenges</a:t>
+            </a:r>
+            <a:br>
+              <a:rPr lang="en-US" dirty="0" smtClean="0"/>
+            </a:br>
+            <a:r>
+              <a:rPr lang="en-US" sz="1800" dirty="0" smtClean="0"/>
+              <a:t>https://github.com/paulwoods/groovychallenges</a:t>
             </a:r>
             <a:endParaRPr lang="en-US" dirty="0"/>
           </a:p>

--- a/Groovy Challenges.pptx
+++ b/Groovy Challenges.pptx
@@ -3728,11 +3728,7 @@
           <a:p>
             <a:r>
               <a:rPr lang="en-US" dirty="0" smtClean="0"/>
-              <a:t>Groovy </a:t>
-            </a:r>
-            <a:r>
-              <a:rPr lang="en-US" dirty="0" smtClean="0"/>
-              <a:t>Challenges</a:t>
+              <a:t>Groovy Challenges</a:t>
             </a:r>
             <a:br>
               <a:rPr lang="en-US" dirty="0" smtClean="0"/>
@@ -3762,7 +3758,11 @@
           <a:p>
             <a:r>
               <a:rPr lang="en-US" dirty="0" smtClean="0"/>
-              <a:t>Build a Groovy DSL</a:t>
+              <a:t>Building </a:t>
+            </a:r>
+            <a:r>
+              <a:rPr lang="en-US" dirty="0" smtClean="0"/>
+              <a:t>a Groovy DSL</a:t>
             </a:r>
             <a:endParaRPr lang="en-US" dirty="0"/>
           </a:p>
@@ -3773,6 +3773,13 @@
   <p:clrMapOvr>
     <a:masterClrMapping/>
   </p:clrMapOvr>
+  <p:timing>
+    <p:tnLst>
+      <p:par>
+        <p:cTn id="1" dur="indefinite" restart="never" nodeType="tmRoot"/>
+      </p:par>
+    </p:tnLst>
+  </p:timing>
 </p:sld>
 </file>
 
@@ -3851,6 +3858,13 @@
   <p:clrMapOvr>
     <a:masterClrMapping/>
   </p:clrMapOvr>
+  <p:timing>
+    <p:tnLst>
+      <p:par>
+        <p:cTn id="1" dur="indefinite" restart="never" nodeType="tmRoot"/>
+      </p:par>
+    </p:tnLst>
+  </p:timing>
 </p:sld>
 </file>
 
